--- a/nlp/bayes/NB.pptx
+++ b/nlp/bayes/NB.pptx
@@ -110,6 +110,11 @@
       </a:defRPr>
     </a:lvl9pPr>
   </p:defaultTextStyle>
+  <p:extLst>
+    <p:ext uri="{EFAFB233-063F-42B5-8137-9DF3F51BA10A}">
+      <p15:sldGuideLst xmlns:p15="http://schemas.microsoft.com/office/powerpoint/2012/main"/>
+    </p:ext>
+  </p:extLst>
 </p:presentation>
 </file>
 
@@ -195,7 +200,7 @@
           <a:p>
             <a:fld id="{19D3846D-1D76-423F-9165-17FA8B704619}" type="datetimeFigureOut">
               <a:rPr lang="en-US" smtClean="0"/>
-              <a:t>11/14/2017</a:t>
+              <a:t>11/16/2017</a:t>
             </a:fld>
             <a:endParaRPr lang="en-US"/>
           </a:p>
@@ -930,7 +935,7 @@
           <a:p>
             <a:fld id="{13D9F9D0-B271-4037-B4D0-85B32F79817C}" type="datetimeFigureOut">
               <a:rPr lang="en-US" smtClean="0"/>
-              <a:t>11/14/2017</a:t>
+              <a:t>11/16/2017</a:t>
             </a:fld>
             <a:endParaRPr lang="en-US"/>
           </a:p>
@@ -1100,7 +1105,7 @@
           <a:p>
             <a:fld id="{13D9F9D0-B271-4037-B4D0-85B32F79817C}" type="datetimeFigureOut">
               <a:rPr lang="en-US" smtClean="0"/>
-              <a:t>11/14/2017</a:t>
+              <a:t>11/16/2017</a:t>
             </a:fld>
             <a:endParaRPr lang="en-US"/>
           </a:p>
@@ -1280,7 +1285,7 @@
           <a:p>
             <a:fld id="{13D9F9D0-B271-4037-B4D0-85B32F79817C}" type="datetimeFigureOut">
               <a:rPr lang="en-US" smtClean="0"/>
-              <a:t>11/14/2017</a:t>
+              <a:t>11/16/2017</a:t>
             </a:fld>
             <a:endParaRPr lang="en-US"/>
           </a:p>
@@ -1450,7 +1455,7 @@
           <a:p>
             <a:fld id="{13D9F9D0-B271-4037-B4D0-85B32F79817C}" type="datetimeFigureOut">
               <a:rPr lang="en-US" smtClean="0"/>
-              <a:t>11/14/2017</a:t>
+              <a:t>11/16/2017</a:t>
             </a:fld>
             <a:endParaRPr lang="en-US"/>
           </a:p>
@@ -1696,7 +1701,7 @@
           <a:p>
             <a:fld id="{13D9F9D0-B271-4037-B4D0-85B32F79817C}" type="datetimeFigureOut">
               <a:rPr lang="en-US" smtClean="0"/>
-              <a:t>11/14/2017</a:t>
+              <a:t>11/16/2017</a:t>
             </a:fld>
             <a:endParaRPr lang="en-US"/>
           </a:p>
@@ -1928,7 +1933,7 @@
           <a:p>
             <a:fld id="{13D9F9D0-B271-4037-B4D0-85B32F79817C}" type="datetimeFigureOut">
               <a:rPr lang="en-US" smtClean="0"/>
-              <a:t>11/14/2017</a:t>
+              <a:t>11/16/2017</a:t>
             </a:fld>
             <a:endParaRPr lang="en-US"/>
           </a:p>
@@ -2295,7 +2300,7 @@
           <a:p>
             <a:fld id="{13D9F9D0-B271-4037-B4D0-85B32F79817C}" type="datetimeFigureOut">
               <a:rPr lang="en-US" smtClean="0"/>
-              <a:t>11/14/2017</a:t>
+              <a:t>11/16/2017</a:t>
             </a:fld>
             <a:endParaRPr lang="en-US"/>
           </a:p>
@@ -2413,7 +2418,7 @@
           <a:p>
             <a:fld id="{13D9F9D0-B271-4037-B4D0-85B32F79817C}" type="datetimeFigureOut">
               <a:rPr lang="en-US" smtClean="0"/>
-              <a:t>11/14/2017</a:t>
+              <a:t>11/16/2017</a:t>
             </a:fld>
             <a:endParaRPr lang="en-US"/>
           </a:p>
@@ -2508,7 +2513,7 @@
           <a:p>
             <a:fld id="{13D9F9D0-B271-4037-B4D0-85B32F79817C}" type="datetimeFigureOut">
               <a:rPr lang="en-US" smtClean="0"/>
-              <a:t>11/14/2017</a:t>
+              <a:t>11/16/2017</a:t>
             </a:fld>
             <a:endParaRPr lang="en-US"/>
           </a:p>
@@ -2785,7 +2790,7 @@
           <a:p>
             <a:fld id="{13D9F9D0-B271-4037-B4D0-85B32F79817C}" type="datetimeFigureOut">
               <a:rPr lang="en-US" smtClean="0"/>
-              <a:t>11/14/2017</a:t>
+              <a:t>11/16/2017</a:t>
             </a:fld>
             <a:endParaRPr lang="en-US"/>
           </a:p>
@@ -3038,7 +3043,7 @@
           <a:p>
             <a:fld id="{13D9F9D0-B271-4037-B4D0-85B32F79817C}" type="datetimeFigureOut">
               <a:rPr lang="en-US" smtClean="0"/>
-              <a:t>11/14/2017</a:t>
+              <a:t>11/16/2017</a:t>
             </a:fld>
             <a:endParaRPr lang="en-US"/>
           </a:p>
@@ -3251,7 +3256,7 @@
           <a:p>
             <a:fld id="{13D9F9D0-B271-4037-B4D0-85B32F79817C}" type="datetimeFigureOut">
               <a:rPr lang="en-US" smtClean="0"/>
-              <a:t>11/14/2017</a:t>
+              <a:t>11/16/2017</a:t>
             </a:fld>
             <a:endParaRPr lang="en-US"/>
           </a:p>
@@ -3930,7 +3935,7 @@
         <p:spPr bwMode="auto">
           <a:xfrm>
             <a:off x="5977793" y="3290032"/>
-            <a:ext cx="2286000" cy="1219200"/>
+            <a:ext cx="1589453" cy="1219200"/>
           </a:xfrm>
           <a:prstGeom prst="rect">
             <a:avLst/>
@@ -4111,8 +4116,8 @@
         </p:nvSpPr>
         <p:spPr bwMode="auto">
           <a:xfrm>
-            <a:off x="9330592" y="3518632"/>
-            <a:ext cx="1493715" cy="769441"/>
+            <a:off x="8457215" y="3518632"/>
+            <a:ext cx="1833736" cy="461665"/>
           </a:xfrm>
           <a:prstGeom prst="rect">
             <a:avLst/>
@@ -4279,19 +4284,19 @@
               <a:buNone/>
             </a:pPr>
             <a:r>
-              <a:rPr lang="en-US" altLang="zh-CN" sz="4400" dirty="0" smtClean="0">
-                <a:solidFill>
-                  <a:srgbClr val="FF0000"/>
-                </a:solidFill>
-                <a:latin typeface="Bernard MT Condensed" panose="02050806060905020404" pitchFamily="18" charset="0"/>
+              <a:rPr lang="en-US" altLang="zh-CN" sz="2400" dirty="0" smtClean="0">
+                <a:solidFill>
+                  <a:srgbClr val="7030A0"/>
+                </a:solidFill>
+                <a:latin typeface="Britannic Bold" panose="020B0903060703020204" pitchFamily="34" charset="0"/>
               </a:rPr>
               <a:t>DVF</a:t>
             </a:r>
-            <a:endParaRPr lang="en-US" altLang="en-US" sz="4400" dirty="0">
+            <a:endParaRPr lang="en-US" altLang="en-US" sz="2400" dirty="0">
               <a:solidFill>
-                <a:srgbClr val="FF0000"/>
+                <a:srgbClr val="7030A0"/>
               </a:solidFill>
-              <a:latin typeface="Bernard MT Condensed" panose="02050806060905020404" pitchFamily="18" charset="0"/>
+              <a:latin typeface="Britannic Bold" panose="020B0903060703020204" pitchFamily="34" charset="0"/>
             </a:endParaRPr>
           </a:p>
         </p:txBody>
@@ -4306,7 +4311,7 @@
         </p:nvSpPr>
         <p:spPr bwMode="auto">
           <a:xfrm>
-            <a:off x="8339993" y="3747232"/>
+            <a:off x="7643446" y="3747232"/>
             <a:ext cx="762000" cy="304800"/>
           </a:xfrm>
           <a:prstGeom prst="rightArrow">
@@ -4660,6 +4665,790 @@
             </a:pPr>
             <a:endParaRPr lang="en-US" altLang="en-US" sz="1800">
               <a:latin typeface="Arial" panose="020B0604020202020204" pitchFamily="34" charset="0"/>
+            </a:endParaRPr>
+          </a:p>
+        </p:txBody>
+      </p:sp>
+      <p:sp>
+        <p:nvSpPr>
+          <p:cNvPr id="10" name="Text Box 9"/>
+          <p:cNvSpPr txBox="1">
+            <a:spLocks noChangeArrowheads="1"/>
+          </p:cNvSpPr>
+          <p:nvPr/>
+        </p:nvSpPr>
+        <p:spPr bwMode="auto">
+          <a:xfrm>
+            <a:off x="8457213" y="2244394"/>
+            <a:ext cx="3793401" cy="461665"/>
+          </a:xfrm>
+          <a:prstGeom prst="rect">
+            <a:avLst/>
+          </a:prstGeom>
+          <a:noFill/>
+          <a:ln>
+            <a:noFill/>
+          </a:ln>
+          <a:extLst>
+            <a:ext uri="{909E8E84-426E-40DD-AFC4-6F175D3DCCD1}">
+              <a14:hiddenFill xmlns:a14="http://schemas.microsoft.com/office/drawing/2010/main">
+                <a:solidFill>
+                  <a:srgbClr val="FFFFFF"/>
+                </a:solidFill>
+              </a14:hiddenFill>
+            </a:ext>
+            <a:ext uri="{91240B29-F687-4F45-9708-019B960494DF}">
+              <a14:hiddenLine xmlns:a14="http://schemas.microsoft.com/office/drawing/2010/main" w="9525">
+                <a:solidFill>
+                  <a:srgbClr val="000000"/>
+                </a:solidFill>
+                <a:miter lim="800000"/>
+                <a:headEnd/>
+                <a:tailEnd/>
+              </a14:hiddenLine>
+            </a:ext>
+          </a:extLst>
+        </p:spPr>
+        <p:txBody>
+          <a:bodyPr wrap="square">
+            <a:spAutoFit/>
+          </a:bodyPr>
+          <a:lstStyle>
+            <a:defPPr>
+              <a:defRPr lang="en-US"/>
+            </a:defPPr>
+            <a:lvl1pPr algn="l" rtl="0" eaLnBrk="0" fontAlgn="base" hangingPunct="0">
+              <a:spcBef>
+                <a:spcPct val="0"/>
+              </a:spcBef>
+              <a:spcAft>
+                <a:spcPct val="0"/>
+              </a:spcAft>
+              <a:defRPr kern="1200">
+                <a:solidFill>
+                  <a:schemeClr val="tx1"/>
+                </a:solidFill>
+                <a:latin typeface="Arial" panose="020B0604020202020204" pitchFamily="34" charset="0"/>
+                <a:ea typeface="+mn-ea"/>
+                <a:cs typeface="+mn-cs"/>
+              </a:defRPr>
+            </a:lvl1pPr>
+            <a:lvl2pPr marL="457200" algn="l" rtl="0" eaLnBrk="0" fontAlgn="base" hangingPunct="0">
+              <a:spcBef>
+                <a:spcPct val="0"/>
+              </a:spcBef>
+              <a:spcAft>
+                <a:spcPct val="0"/>
+              </a:spcAft>
+              <a:defRPr kern="1200">
+                <a:solidFill>
+                  <a:schemeClr val="tx1"/>
+                </a:solidFill>
+                <a:latin typeface="Arial" panose="020B0604020202020204" pitchFamily="34" charset="0"/>
+                <a:ea typeface="+mn-ea"/>
+                <a:cs typeface="+mn-cs"/>
+              </a:defRPr>
+            </a:lvl2pPr>
+            <a:lvl3pPr marL="914400" algn="l" rtl="0" eaLnBrk="0" fontAlgn="base" hangingPunct="0">
+              <a:spcBef>
+                <a:spcPct val="0"/>
+              </a:spcBef>
+              <a:spcAft>
+                <a:spcPct val="0"/>
+              </a:spcAft>
+              <a:defRPr kern="1200">
+                <a:solidFill>
+                  <a:schemeClr val="tx1"/>
+                </a:solidFill>
+                <a:latin typeface="Arial" panose="020B0604020202020204" pitchFamily="34" charset="0"/>
+                <a:ea typeface="+mn-ea"/>
+                <a:cs typeface="+mn-cs"/>
+              </a:defRPr>
+            </a:lvl3pPr>
+            <a:lvl4pPr marL="1371600" algn="l" rtl="0" eaLnBrk="0" fontAlgn="base" hangingPunct="0">
+              <a:spcBef>
+                <a:spcPct val="0"/>
+              </a:spcBef>
+              <a:spcAft>
+                <a:spcPct val="0"/>
+              </a:spcAft>
+              <a:defRPr kern="1200">
+                <a:solidFill>
+                  <a:schemeClr val="tx1"/>
+                </a:solidFill>
+                <a:latin typeface="Arial" panose="020B0604020202020204" pitchFamily="34" charset="0"/>
+                <a:ea typeface="+mn-ea"/>
+                <a:cs typeface="+mn-cs"/>
+              </a:defRPr>
+            </a:lvl4pPr>
+            <a:lvl5pPr marL="1828800" algn="l" rtl="0" eaLnBrk="0" fontAlgn="base" hangingPunct="0">
+              <a:spcBef>
+                <a:spcPct val="0"/>
+              </a:spcBef>
+              <a:spcAft>
+                <a:spcPct val="0"/>
+              </a:spcAft>
+              <a:defRPr kern="1200">
+                <a:solidFill>
+                  <a:schemeClr val="tx1"/>
+                </a:solidFill>
+                <a:latin typeface="Arial" panose="020B0604020202020204" pitchFamily="34" charset="0"/>
+                <a:ea typeface="+mn-ea"/>
+                <a:cs typeface="+mn-cs"/>
+              </a:defRPr>
+            </a:lvl5pPr>
+            <a:lvl6pPr marL="2286000" algn="l" defTabSz="914400" rtl="0" eaLnBrk="1" latinLnBrk="0" hangingPunct="1">
+              <a:defRPr kern="1200">
+                <a:solidFill>
+                  <a:schemeClr val="tx1"/>
+                </a:solidFill>
+                <a:latin typeface="Arial" panose="020B0604020202020204" pitchFamily="34" charset="0"/>
+                <a:ea typeface="+mn-ea"/>
+                <a:cs typeface="+mn-cs"/>
+              </a:defRPr>
+            </a:lvl6pPr>
+            <a:lvl7pPr marL="2743200" algn="l" defTabSz="914400" rtl="0" eaLnBrk="1" latinLnBrk="0" hangingPunct="1">
+              <a:defRPr kern="1200">
+                <a:solidFill>
+                  <a:schemeClr val="tx1"/>
+                </a:solidFill>
+                <a:latin typeface="Arial" panose="020B0604020202020204" pitchFamily="34" charset="0"/>
+                <a:ea typeface="+mn-ea"/>
+                <a:cs typeface="+mn-cs"/>
+              </a:defRPr>
+            </a:lvl7pPr>
+            <a:lvl8pPr marL="3200400" algn="l" defTabSz="914400" rtl="0" eaLnBrk="1" latinLnBrk="0" hangingPunct="1">
+              <a:defRPr kern="1200">
+                <a:solidFill>
+                  <a:schemeClr val="tx1"/>
+                </a:solidFill>
+                <a:latin typeface="Arial" panose="020B0604020202020204" pitchFamily="34" charset="0"/>
+                <a:ea typeface="+mn-ea"/>
+                <a:cs typeface="+mn-cs"/>
+              </a:defRPr>
+            </a:lvl8pPr>
+            <a:lvl9pPr marL="3657600" algn="l" defTabSz="914400" rtl="0" eaLnBrk="1" latinLnBrk="0" hangingPunct="1">
+              <a:defRPr kern="1200">
+                <a:solidFill>
+                  <a:schemeClr val="tx1"/>
+                </a:solidFill>
+                <a:latin typeface="Arial" panose="020B0604020202020204" pitchFamily="34" charset="0"/>
+                <a:ea typeface="+mn-ea"/>
+                <a:cs typeface="+mn-cs"/>
+              </a:defRPr>
+            </a:lvl9pPr>
+          </a:lstStyle>
+          <a:p>
+            <a:pPr eaLnBrk="1" hangingPunct="1">
+              <a:spcBef>
+                <a:spcPct val="50000"/>
+              </a:spcBef>
+              <a:buFontTx/>
+              <a:buNone/>
+            </a:pPr>
+            <a:r>
+              <a:rPr lang="en-US" altLang="zh-CN" sz="2400" dirty="0" smtClean="0">
+                <a:solidFill>
+                  <a:srgbClr val="0070C0"/>
+                </a:solidFill>
+                <a:latin typeface="Britannic Bold" panose="020B0903060703020204" pitchFamily="34" charset="0"/>
+              </a:rPr>
+              <a:t>Account Management</a:t>
+            </a:r>
+            <a:endParaRPr lang="en-US" altLang="en-US" sz="2400" dirty="0">
+              <a:solidFill>
+                <a:srgbClr val="0070C0"/>
+              </a:solidFill>
+              <a:latin typeface="Britannic Bold" panose="020B0903060703020204" pitchFamily="34" charset="0"/>
+            </a:endParaRPr>
+          </a:p>
+        </p:txBody>
+      </p:sp>
+      <p:sp>
+        <p:nvSpPr>
+          <p:cNvPr id="11" name="Text Box 9"/>
+          <p:cNvSpPr txBox="1">
+            <a:spLocks noChangeArrowheads="1"/>
+          </p:cNvSpPr>
+          <p:nvPr/>
+        </p:nvSpPr>
+        <p:spPr bwMode="auto">
+          <a:xfrm>
+            <a:off x="8457214" y="2881513"/>
+            <a:ext cx="3529632" cy="461665"/>
+          </a:xfrm>
+          <a:prstGeom prst="rect">
+            <a:avLst/>
+          </a:prstGeom>
+          <a:noFill/>
+          <a:ln>
+            <a:noFill/>
+          </a:ln>
+          <a:extLst>
+            <a:ext uri="{909E8E84-426E-40DD-AFC4-6F175D3DCCD1}">
+              <a14:hiddenFill xmlns:a14="http://schemas.microsoft.com/office/drawing/2010/main">
+                <a:solidFill>
+                  <a:srgbClr val="FFFFFF"/>
+                </a:solidFill>
+              </a14:hiddenFill>
+            </a:ext>
+            <a:ext uri="{91240B29-F687-4F45-9708-019B960494DF}">
+              <a14:hiddenLine xmlns:a14="http://schemas.microsoft.com/office/drawing/2010/main" w="9525">
+                <a:solidFill>
+                  <a:srgbClr val="000000"/>
+                </a:solidFill>
+                <a:miter lim="800000"/>
+                <a:headEnd/>
+                <a:tailEnd/>
+              </a14:hiddenLine>
+            </a:ext>
+          </a:extLst>
+        </p:spPr>
+        <p:txBody>
+          <a:bodyPr wrap="square">
+            <a:spAutoFit/>
+          </a:bodyPr>
+          <a:lstStyle>
+            <a:defPPr>
+              <a:defRPr lang="en-US"/>
+            </a:defPPr>
+            <a:lvl1pPr algn="l" rtl="0" eaLnBrk="0" fontAlgn="base" hangingPunct="0">
+              <a:spcBef>
+                <a:spcPct val="0"/>
+              </a:spcBef>
+              <a:spcAft>
+                <a:spcPct val="0"/>
+              </a:spcAft>
+              <a:defRPr kern="1200">
+                <a:solidFill>
+                  <a:schemeClr val="tx1"/>
+                </a:solidFill>
+                <a:latin typeface="Arial" panose="020B0604020202020204" pitchFamily="34" charset="0"/>
+                <a:ea typeface="+mn-ea"/>
+                <a:cs typeface="+mn-cs"/>
+              </a:defRPr>
+            </a:lvl1pPr>
+            <a:lvl2pPr marL="457200" algn="l" rtl="0" eaLnBrk="0" fontAlgn="base" hangingPunct="0">
+              <a:spcBef>
+                <a:spcPct val="0"/>
+              </a:spcBef>
+              <a:spcAft>
+                <a:spcPct val="0"/>
+              </a:spcAft>
+              <a:defRPr kern="1200">
+                <a:solidFill>
+                  <a:schemeClr val="tx1"/>
+                </a:solidFill>
+                <a:latin typeface="Arial" panose="020B0604020202020204" pitchFamily="34" charset="0"/>
+                <a:ea typeface="+mn-ea"/>
+                <a:cs typeface="+mn-cs"/>
+              </a:defRPr>
+            </a:lvl2pPr>
+            <a:lvl3pPr marL="914400" algn="l" rtl="0" eaLnBrk="0" fontAlgn="base" hangingPunct="0">
+              <a:spcBef>
+                <a:spcPct val="0"/>
+              </a:spcBef>
+              <a:spcAft>
+                <a:spcPct val="0"/>
+              </a:spcAft>
+              <a:defRPr kern="1200">
+                <a:solidFill>
+                  <a:schemeClr val="tx1"/>
+                </a:solidFill>
+                <a:latin typeface="Arial" panose="020B0604020202020204" pitchFamily="34" charset="0"/>
+                <a:ea typeface="+mn-ea"/>
+                <a:cs typeface="+mn-cs"/>
+              </a:defRPr>
+            </a:lvl3pPr>
+            <a:lvl4pPr marL="1371600" algn="l" rtl="0" eaLnBrk="0" fontAlgn="base" hangingPunct="0">
+              <a:spcBef>
+                <a:spcPct val="0"/>
+              </a:spcBef>
+              <a:spcAft>
+                <a:spcPct val="0"/>
+              </a:spcAft>
+              <a:defRPr kern="1200">
+                <a:solidFill>
+                  <a:schemeClr val="tx1"/>
+                </a:solidFill>
+                <a:latin typeface="Arial" panose="020B0604020202020204" pitchFamily="34" charset="0"/>
+                <a:ea typeface="+mn-ea"/>
+                <a:cs typeface="+mn-cs"/>
+              </a:defRPr>
+            </a:lvl4pPr>
+            <a:lvl5pPr marL="1828800" algn="l" rtl="0" eaLnBrk="0" fontAlgn="base" hangingPunct="0">
+              <a:spcBef>
+                <a:spcPct val="0"/>
+              </a:spcBef>
+              <a:spcAft>
+                <a:spcPct val="0"/>
+              </a:spcAft>
+              <a:defRPr kern="1200">
+                <a:solidFill>
+                  <a:schemeClr val="tx1"/>
+                </a:solidFill>
+                <a:latin typeface="Arial" panose="020B0604020202020204" pitchFamily="34" charset="0"/>
+                <a:ea typeface="+mn-ea"/>
+                <a:cs typeface="+mn-cs"/>
+              </a:defRPr>
+            </a:lvl5pPr>
+            <a:lvl6pPr marL="2286000" algn="l" defTabSz="914400" rtl="0" eaLnBrk="1" latinLnBrk="0" hangingPunct="1">
+              <a:defRPr kern="1200">
+                <a:solidFill>
+                  <a:schemeClr val="tx1"/>
+                </a:solidFill>
+                <a:latin typeface="Arial" panose="020B0604020202020204" pitchFamily="34" charset="0"/>
+                <a:ea typeface="+mn-ea"/>
+                <a:cs typeface="+mn-cs"/>
+              </a:defRPr>
+            </a:lvl6pPr>
+            <a:lvl7pPr marL="2743200" algn="l" defTabSz="914400" rtl="0" eaLnBrk="1" latinLnBrk="0" hangingPunct="1">
+              <a:defRPr kern="1200">
+                <a:solidFill>
+                  <a:schemeClr val="tx1"/>
+                </a:solidFill>
+                <a:latin typeface="Arial" panose="020B0604020202020204" pitchFamily="34" charset="0"/>
+                <a:ea typeface="+mn-ea"/>
+                <a:cs typeface="+mn-cs"/>
+              </a:defRPr>
+            </a:lvl7pPr>
+            <a:lvl8pPr marL="3200400" algn="l" defTabSz="914400" rtl="0" eaLnBrk="1" latinLnBrk="0" hangingPunct="1">
+              <a:defRPr kern="1200">
+                <a:solidFill>
+                  <a:schemeClr val="tx1"/>
+                </a:solidFill>
+                <a:latin typeface="Arial" panose="020B0604020202020204" pitchFamily="34" charset="0"/>
+                <a:ea typeface="+mn-ea"/>
+                <a:cs typeface="+mn-cs"/>
+              </a:defRPr>
+            </a:lvl8pPr>
+            <a:lvl9pPr marL="3657600" algn="l" defTabSz="914400" rtl="0" eaLnBrk="1" latinLnBrk="0" hangingPunct="1">
+              <a:defRPr kern="1200">
+                <a:solidFill>
+                  <a:schemeClr val="tx1"/>
+                </a:solidFill>
+                <a:latin typeface="Arial" panose="020B0604020202020204" pitchFamily="34" charset="0"/>
+                <a:ea typeface="+mn-ea"/>
+                <a:cs typeface="+mn-cs"/>
+              </a:defRPr>
+            </a:lvl9pPr>
+          </a:lstStyle>
+          <a:p>
+            <a:pPr eaLnBrk="1" hangingPunct="1">
+              <a:spcBef>
+                <a:spcPct val="50000"/>
+              </a:spcBef>
+              <a:buFontTx/>
+              <a:buNone/>
+            </a:pPr>
+            <a:r>
+              <a:rPr lang="en-US" altLang="zh-CN" sz="2400" dirty="0" smtClean="0">
+                <a:solidFill>
+                  <a:srgbClr val="00B050"/>
+                </a:solidFill>
+                <a:latin typeface="Britannic Bold" panose="020B0903060703020204" pitchFamily="34" charset="0"/>
+              </a:rPr>
+              <a:t>Daily Shipping</a:t>
+            </a:r>
+            <a:endParaRPr lang="en-US" altLang="en-US" sz="2400" dirty="0">
+              <a:solidFill>
+                <a:srgbClr val="00B050"/>
+              </a:solidFill>
+              <a:latin typeface="Britannic Bold" panose="020B0903060703020204" pitchFamily="34" charset="0"/>
+            </a:endParaRPr>
+          </a:p>
+        </p:txBody>
+      </p:sp>
+      <p:sp>
+        <p:nvSpPr>
+          <p:cNvPr id="12" name="Text Box 9"/>
+          <p:cNvSpPr txBox="1">
+            <a:spLocks noChangeArrowheads="1"/>
+          </p:cNvSpPr>
+          <p:nvPr/>
+        </p:nvSpPr>
+        <p:spPr bwMode="auto">
+          <a:xfrm>
+            <a:off x="8457214" y="4155751"/>
+            <a:ext cx="2896586" cy="461665"/>
+          </a:xfrm>
+          <a:prstGeom prst="rect">
+            <a:avLst/>
+          </a:prstGeom>
+          <a:noFill/>
+          <a:ln>
+            <a:noFill/>
+          </a:ln>
+          <a:extLst>
+            <a:ext uri="{909E8E84-426E-40DD-AFC4-6F175D3DCCD1}">
+              <a14:hiddenFill xmlns:a14="http://schemas.microsoft.com/office/drawing/2010/main">
+                <a:solidFill>
+                  <a:srgbClr val="FFFFFF"/>
+                </a:solidFill>
+              </a14:hiddenFill>
+            </a:ext>
+            <a:ext uri="{91240B29-F687-4F45-9708-019B960494DF}">
+              <a14:hiddenLine xmlns:a14="http://schemas.microsoft.com/office/drawing/2010/main" w="9525">
+                <a:solidFill>
+                  <a:srgbClr val="000000"/>
+                </a:solidFill>
+                <a:miter lim="800000"/>
+                <a:headEnd/>
+                <a:tailEnd/>
+              </a14:hiddenLine>
+            </a:ext>
+          </a:extLst>
+        </p:spPr>
+        <p:txBody>
+          <a:bodyPr wrap="square">
+            <a:spAutoFit/>
+          </a:bodyPr>
+          <a:lstStyle>
+            <a:defPPr>
+              <a:defRPr lang="en-US"/>
+            </a:defPPr>
+            <a:lvl1pPr algn="l" rtl="0" eaLnBrk="0" fontAlgn="base" hangingPunct="0">
+              <a:spcBef>
+                <a:spcPct val="0"/>
+              </a:spcBef>
+              <a:spcAft>
+                <a:spcPct val="0"/>
+              </a:spcAft>
+              <a:defRPr kern="1200">
+                <a:solidFill>
+                  <a:schemeClr val="tx1"/>
+                </a:solidFill>
+                <a:latin typeface="Arial" panose="020B0604020202020204" pitchFamily="34" charset="0"/>
+                <a:ea typeface="+mn-ea"/>
+                <a:cs typeface="+mn-cs"/>
+              </a:defRPr>
+            </a:lvl1pPr>
+            <a:lvl2pPr marL="457200" algn="l" rtl="0" eaLnBrk="0" fontAlgn="base" hangingPunct="0">
+              <a:spcBef>
+                <a:spcPct val="0"/>
+              </a:spcBef>
+              <a:spcAft>
+                <a:spcPct val="0"/>
+              </a:spcAft>
+              <a:defRPr kern="1200">
+                <a:solidFill>
+                  <a:schemeClr val="tx1"/>
+                </a:solidFill>
+                <a:latin typeface="Arial" panose="020B0604020202020204" pitchFamily="34" charset="0"/>
+                <a:ea typeface="+mn-ea"/>
+                <a:cs typeface="+mn-cs"/>
+              </a:defRPr>
+            </a:lvl2pPr>
+            <a:lvl3pPr marL="914400" algn="l" rtl="0" eaLnBrk="0" fontAlgn="base" hangingPunct="0">
+              <a:spcBef>
+                <a:spcPct val="0"/>
+              </a:spcBef>
+              <a:spcAft>
+                <a:spcPct val="0"/>
+              </a:spcAft>
+              <a:defRPr kern="1200">
+                <a:solidFill>
+                  <a:schemeClr val="tx1"/>
+                </a:solidFill>
+                <a:latin typeface="Arial" panose="020B0604020202020204" pitchFamily="34" charset="0"/>
+                <a:ea typeface="+mn-ea"/>
+                <a:cs typeface="+mn-cs"/>
+              </a:defRPr>
+            </a:lvl3pPr>
+            <a:lvl4pPr marL="1371600" algn="l" rtl="0" eaLnBrk="0" fontAlgn="base" hangingPunct="0">
+              <a:spcBef>
+                <a:spcPct val="0"/>
+              </a:spcBef>
+              <a:spcAft>
+                <a:spcPct val="0"/>
+              </a:spcAft>
+              <a:defRPr kern="1200">
+                <a:solidFill>
+                  <a:schemeClr val="tx1"/>
+                </a:solidFill>
+                <a:latin typeface="Arial" panose="020B0604020202020204" pitchFamily="34" charset="0"/>
+                <a:ea typeface="+mn-ea"/>
+                <a:cs typeface="+mn-cs"/>
+              </a:defRPr>
+            </a:lvl4pPr>
+            <a:lvl5pPr marL="1828800" algn="l" rtl="0" eaLnBrk="0" fontAlgn="base" hangingPunct="0">
+              <a:spcBef>
+                <a:spcPct val="0"/>
+              </a:spcBef>
+              <a:spcAft>
+                <a:spcPct val="0"/>
+              </a:spcAft>
+              <a:defRPr kern="1200">
+                <a:solidFill>
+                  <a:schemeClr val="tx1"/>
+                </a:solidFill>
+                <a:latin typeface="Arial" panose="020B0604020202020204" pitchFamily="34" charset="0"/>
+                <a:ea typeface="+mn-ea"/>
+                <a:cs typeface="+mn-cs"/>
+              </a:defRPr>
+            </a:lvl5pPr>
+            <a:lvl6pPr marL="2286000" algn="l" defTabSz="914400" rtl="0" eaLnBrk="1" latinLnBrk="0" hangingPunct="1">
+              <a:defRPr kern="1200">
+                <a:solidFill>
+                  <a:schemeClr val="tx1"/>
+                </a:solidFill>
+                <a:latin typeface="Arial" panose="020B0604020202020204" pitchFamily="34" charset="0"/>
+                <a:ea typeface="+mn-ea"/>
+                <a:cs typeface="+mn-cs"/>
+              </a:defRPr>
+            </a:lvl6pPr>
+            <a:lvl7pPr marL="2743200" algn="l" defTabSz="914400" rtl="0" eaLnBrk="1" latinLnBrk="0" hangingPunct="1">
+              <a:defRPr kern="1200">
+                <a:solidFill>
+                  <a:schemeClr val="tx1"/>
+                </a:solidFill>
+                <a:latin typeface="Arial" panose="020B0604020202020204" pitchFamily="34" charset="0"/>
+                <a:ea typeface="+mn-ea"/>
+                <a:cs typeface="+mn-cs"/>
+              </a:defRPr>
+            </a:lvl7pPr>
+            <a:lvl8pPr marL="3200400" algn="l" defTabSz="914400" rtl="0" eaLnBrk="1" latinLnBrk="0" hangingPunct="1">
+              <a:defRPr kern="1200">
+                <a:solidFill>
+                  <a:schemeClr val="tx1"/>
+                </a:solidFill>
+                <a:latin typeface="Arial" panose="020B0604020202020204" pitchFamily="34" charset="0"/>
+                <a:ea typeface="+mn-ea"/>
+                <a:cs typeface="+mn-cs"/>
+              </a:defRPr>
+            </a:lvl8pPr>
+            <a:lvl9pPr marL="3657600" algn="l" defTabSz="914400" rtl="0" eaLnBrk="1" latinLnBrk="0" hangingPunct="1">
+              <a:defRPr kern="1200">
+                <a:solidFill>
+                  <a:schemeClr val="tx1"/>
+                </a:solidFill>
+                <a:latin typeface="Arial" panose="020B0604020202020204" pitchFamily="34" charset="0"/>
+                <a:ea typeface="+mn-ea"/>
+                <a:cs typeface="+mn-cs"/>
+              </a:defRPr>
+            </a:lvl9pPr>
+          </a:lstStyle>
+          <a:p>
+            <a:pPr eaLnBrk="1" hangingPunct="1">
+              <a:spcBef>
+                <a:spcPct val="50000"/>
+              </a:spcBef>
+              <a:buFontTx/>
+              <a:buNone/>
+            </a:pPr>
+            <a:r>
+              <a:rPr lang="en-US" altLang="zh-CN" sz="2400" dirty="0" smtClean="0">
+                <a:solidFill>
+                  <a:srgbClr val="00B0F0"/>
+                </a:solidFill>
+                <a:latin typeface="Britannic Bold" panose="020B0903060703020204" pitchFamily="34" charset="0"/>
+              </a:rPr>
+              <a:t>Opportunities</a:t>
+            </a:r>
+            <a:endParaRPr lang="en-US" altLang="en-US" sz="2400" dirty="0">
+              <a:solidFill>
+                <a:srgbClr val="00B0F0"/>
+              </a:solidFill>
+              <a:latin typeface="Britannic Bold" panose="020B0903060703020204" pitchFamily="34" charset="0"/>
+            </a:endParaRPr>
+          </a:p>
+        </p:txBody>
+      </p:sp>
+      <p:sp>
+        <p:nvSpPr>
+          <p:cNvPr id="13" name="Text Box 9"/>
+          <p:cNvSpPr txBox="1">
+            <a:spLocks noChangeArrowheads="1"/>
+          </p:cNvSpPr>
+          <p:nvPr/>
+        </p:nvSpPr>
+        <p:spPr bwMode="auto">
+          <a:xfrm>
+            <a:off x="8457212" y="4792870"/>
+            <a:ext cx="2896587" cy="830997"/>
+          </a:xfrm>
+          <a:prstGeom prst="rect">
+            <a:avLst/>
+          </a:prstGeom>
+          <a:noFill/>
+          <a:ln>
+            <a:noFill/>
+          </a:ln>
+          <a:extLst>
+            <a:ext uri="{909E8E84-426E-40DD-AFC4-6F175D3DCCD1}">
+              <a14:hiddenFill xmlns:a14="http://schemas.microsoft.com/office/drawing/2010/main">
+                <a:solidFill>
+                  <a:srgbClr val="FFFFFF"/>
+                </a:solidFill>
+              </a14:hiddenFill>
+            </a:ext>
+            <a:ext uri="{91240B29-F687-4F45-9708-019B960494DF}">
+              <a14:hiddenLine xmlns:a14="http://schemas.microsoft.com/office/drawing/2010/main" w="9525">
+                <a:solidFill>
+                  <a:srgbClr val="000000"/>
+                </a:solidFill>
+                <a:miter lim="800000"/>
+                <a:headEnd/>
+                <a:tailEnd/>
+              </a14:hiddenLine>
+            </a:ext>
+          </a:extLst>
+        </p:spPr>
+        <p:txBody>
+          <a:bodyPr wrap="square">
+            <a:spAutoFit/>
+          </a:bodyPr>
+          <a:lstStyle>
+            <a:defPPr>
+              <a:defRPr lang="en-US"/>
+            </a:defPPr>
+            <a:lvl1pPr algn="l" rtl="0" eaLnBrk="0" fontAlgn="base" hangingPunct="0">
+              <a:spcBef>
+                <a:spcPct val="0"/>
+              </a:spcBef>
+              <a:spcAft>
+                <a:spcPct val="0"/>
+              </a:spcAft>
+              <a:defRPr kern="1200">
+                <a:solidFill>
+                  <a:schemeClr val="tx1"/>
+                </a:solidFill>
+                <a:latin typeface="Arial" panose="020B0604020202020204" pitchFamily="34" charset="0"/>
+                <a:ea typeface="+mn-ea"/>
+                <a:cs typeface="+mn-cs"/>
+              </a:defRPr>
+            </a:lvl1pPr>
+            <a:lvl2pPr marL="457200" algn="l" rtl="0" eaLnBrk="0" fontAlgn="base" hangingPunct="0">
+              <a:spcBef>
+                <a:spcPct val="0"/>
+              </a:spcBef>
+              <a:spcAft>
+                <a:spcPct val="0"/>
+              </a:spcAft>
+              <a:defRPr kern="1200">
+                <a:solidFill>
+                  <a:schemeClr val="tx1"/>
+                </a:solidFill>
+                <a:latin typeface="Arial" panose="020B0604020202020204" pitchFamily="34" charset="0"/>
+                <a:ea typeface="+mn-ea"/>
+                <a:cs typeface="+mn-cs"/>
+              </a:defRPr>
+            </a:lvl2pPr>
+            <a:lvl3pPr marL="914400" algn="l" rtl="0" eaLnBrk="0" fontAlgn="base" hangingPunct="0">
+              <a:spcBef>
+                <a:spcPct val="0"/>
+              </a:spcBef>
+              <a:spcAft>
+                <a:spcPct val="0"/>
+              </a:spcAft>
+              <a:defRPr kern="1200">
+                <a:solidFill>
+                  <a:schemeClr val="tx1"/>
+                </a:solidFill>
+                <a:latin typeface="Arial" panose="020B0604020202020204" pitchFamily="34" charset="0"/>
+                <a:ea typeface="+mn-ea"/>
+                <a:cs typeface="+mn-cs"/>
+              </a:defRPr>
+            </a:lvl3pPr>
+            <a:lvl4pPr marL="1371600" algn="l" rtl="0" eaLnBrk="0" fontAlgn="base" hangingPunct="0">
+              <a:spcBef>
+                <a:spcPct val="0"/>
+              </a:spcBef>
+              <a:spcAft>
+                <a:spcPct val="0"/>
+              </a:spcAft>
+              <a:defRPr kern="1200">
+                <a:solidFill>
+                  <a:schemeClr val="tx1"/>
+                </a:solidFill>
+                <a:latin typeface="Arial" panose="020B0604020202020204" pitchFamily="34" charset="0"/>
+                <a:ea typeface="+mn-ea"/>
+                <a:cs typeface="+mn-cs"/>
+              </a:defRPr>
+            </a:lvl4pPr>
+            <a:lvl5pPr marL="1828800" algn="l" rtl="0" eaLnBrk="0" fontAlgn="base" hangingPunct="0">
+              <a:spcBef>
+                <a:spcPct val="0"/>
+              </a:spcBef>
+              <a:spcAft>
+                <a:spcPct val="0"/>
+              </a:spcAft>
+              <a:defRPr kern="1200">
+                <a:solidFill>
+                  <a:schemeClr val="tx1"/>
+                </a:solidFill>
+                <a:latin typeface="Arial" panose="020B0604020202020204" pitchFamily="34" charset="0"/>
+                <a:ea typeface="+mn-ea"/>
+                <a:cs typeface="+mn-cs"/>
+              </a:defRPr>
+            </a:lvl5pPr>
+            <a:lvl6pPr marL="2286000" algn="l" defTabSz="914400" rtl="0" eaLnBrk="1" latinLnBrk="0" hangingPunct="1">
+              <a:defRPr kern="1200">
+                <a:solidFill>
+                  <a:schemeClr val="tx1"/>
+                </a:solidFill>
+                <a:latin typeface="Arial" panose="020B0604020202020204" pitchFamily="34" charset="0"/>
+                <a:ea typeface="+mn-ea"/>
+                <a:cs typeface="+mn-cs"/>
+              </a:defRPr>
+            </a:lvl6pPr>
+            <a:lvl7pPr marL="2743200" algn="l" defTabSz="914400" rtl="0" eaLnBrk="1" latinLnBrk="0" hangingPunct="1">
+              <a:defRPr kern="1200">
+                <a:solidFill>
+                  <a:schemeClr val="tx1"/>
+                </a:solidFill>
+                <a:latin typeface="Arial" panose="020B0604020202020204" pitchFamily="34" charset="0"/>
+                <a:ea typeface="+mn-ea"/>
+                <a:cs typeface="+mn-cs"/>
+              </a:defRPr>
+            </a:lvl7pPr>
+            <a:lvl8pPr marL="3200400" algn="l" defTabSz="914400" rtl="0" eaLnBrk="1" latinLnBrk="0" hangingPunct="1">
+              <a:defRPr kern="1200">
+                <a:solidFill>
+                  <a:schemeClr val="tx1"/>
+                </a:solidFill>
+                <a:latin typeface="Arial" panose="020B0604020202020204" pitchFamily="34" charset="0"/>
+                <a:ea typeface="+mn-ea"/>
+                <a:cs typeface="+mn-cs"/>
+              </a:defRPr>
+            </a:lvl8pPr>
+            <a:lvl9pPr marL="3657600" algn="l" defTabSz="914400" rtl="0" eaLnBrk="1" latinLnBrk="0" hangingPunct="1">
+              <a:defRPr kern="1200">
+                <a:solidFill>
+                  <a:schemeClr val="tx1"/>
+                </a:solidFill>
+                <a:latin typeface="Arial" panose="020B0604020202020204" pitchFamily="34" charset="0"/>
+                <a:ea typeface="+mn-ea"/>
+                <a:cs typeface="+mn-cs"/>
+              </a:defRPr>
+            </a:lvl9pPr>
+          </a:lstStyle>
+          <a:p>
+            <a:pPr eaLnBrk="1" hangingPunct="1">
+              <a:spcBef>
+                <a:spcPct val="50000"/>
+              </a:spcBef>
+              <a:buFontTx/>
+              <a:buNone/>
+            </a:pPr>
+            <a:r>
+              <a:rPr lang="en-US" altLang="zh-CN" sz="2400" dirty="0" smtClean="0">
+                <a:solidFill>
+                  <a:schemeClr val="accent4">
+                    <a:lumMod val="50000"/>
+                  </a:schemeClr>
+                </a:solidFill>
+                <a:latin typeface="Britannic Bold" panose="020B0903060703020204" pitchFamily="34" charset="0"/>
+              </a:rPr>
+              <a:t>Ticketing &amp; Engagement</a:t>
+            </a:r>
+            <a:endParaRPr lang="en-US" altLang="en-US" sz="2400" dirty="0">
+              <a:solidFill>
+                <a:schemeClr val="accent4">
+                  <a:lumMod val="50000"/>
+                </a:schemeClr>
+              </a:solidFill>
+              <a:latin typeface="Britannic Bold" panose="020B0903060703020204" pitchFamily="34" charset="0"/>
             </a:endParaRPr>
           </a:p>
         </p:txBody>
